--- a/FinTech_Case_Study_JMulroy.pptx
+++ b/FinTech_Case_Study_JMulroy.pptx
@@ -131,6 +131,9 @@
         </p14:section>
       </p14:sectionLst>
     </p:ext>
+    <p:ext uri="{EFAFB233-063F-42B5-8137-9DF3F51BA10A}">
+      <p15:sldGuideLst xmlns:p15="http://schemas.microsoft.com/office/powerpoint/2012/main"/>
+    </p:ext>
   </p:extLst>
 </p:presentation>
 </file>
@@ -282,7 +285,7 @@
           <a:p>
             <a:fld id="{27FB74EC-21AC-47F9-A8D7-3B50BF589F52}" type="datetimeFigureOut">
               <a:rPr lang="en-US" smtClean="0"/>
-              <a:t>9/2/2019</a:t>
+              <a:t>9/3/2019</a:t>
             </a:fld>
             <a:endParaRPr lang="en-US" dirty="0"/>
           </a:p>
@@ -480,7 +483,7 @@
           <a:p>
             <a:fld id="{27FB74EC-21AC-47F9-A8D7-3B50BF589F52}" type="datetimeFigureOut">
               <a:rPr lang="en-US" smtClean="0"/>
-              <a:t>9/2/2019</a:t>
+              <a:t>9/3/2019</a:t>
             </a:fld>
             <a:endParaRPr lang="en-US" dirty="0"/>
           </a:p>
@@ -688,7 +691,7 @@
           <a:p>
             <a:fld id="{27FB74EC-21AC-47F9-A8D7-3B50BF589F52}" type="datetimeFigureOut">
               <a:rPr lang="en-US" smtClean="0"/>
-              <a:t>9/2/2019</a:t>
+              <a:t>9/3/2019</a:t>
             </a:fld>
             <a:endParaRPr lang="en-US" dirty="0"/>
           </a:p>
@@ -886,7 +889,7 @@
           <a:p>
             <a:fld id="{27FB74EC-21AC-47F9-A8D7-3B50BF589F52}" type="datetimeFigureOut">
               <a:rPr lang="en-US" smtClean="0"/>
-              <a:t>9/2/2019</a:t>
+              <a:t>9/3/2019</a:t>
             </a:fld>
             <a:endParaRPr lang="en-US" dirty="0"/>
           </a:p>
@@ -1161,7 +1164,7 @@
           <a:p>
             <a:fld id="{27FB74EC-21AC-47F9-A8D7-3B50BF589F52}" type="datetimeFigureOut">
               <a:rPr lang="en-US" smtClean="0"/>
-              <a:t>9/2/2019</a:t>
+              <a:t>9/3/2019</a:t>
             </a:fld>
             <a:endParaRPr lang="en-US" dirty="0"/>
           </a:p>
@@ -1426,7 +1429,7 @@
           <a:p>
             <a:fld id="{27FB74EC-21AC-47F9-A8D7-3B50BF589F52}" type="datetimeFigureOut">
               <a:rPr lang="en-US" smtClean="0"/>
-              <a:t>9/2/2019</a:t>
+              <a:t>9/3/2019</a:t>
             </a:fld>
             <a:endParaRPr lang="en-US" dirty="0"/>
           </a:p>
@@ -1838,7 +1841,7 @@
           <a:p>
             <a:fld id="{27FB74EC-21AC-47F9-A8D7-3B50BF589F52}" type="datetimeFigureOut">
               <a:rPr lang="en-US" smtClean="0"/>
-              <a:t>9/2/2019</a:t>
+              <a:t>9/3/2019</a:t>
             </a:fld>
             <a:endParaRPr lang="en-US" dirty="0"/>
           </a:p>
@@ -1979,7 +1982,7 @@
           <a:p>
             <a:fld id="{27FB74EC-21AC-47F9-A8D7-3B50BF589F52}" type="datetimeFigureOut">
               <a:rPr lang="en-US" smtClean="0"/>
-              <a:t>9/2/2019</a:t>
+              <a:t>9/3/2019</a:t>
             </a:fld>
             <a:endParaRPr lang="en-US" dirty="0"/>
           </a:p>
@@ -2092,7 +2095,7 @@
           <a:p>
             <a:fld id="{27FB74EC-21AC-47F9-A8D7-3B50BF589F52}" type="datetimeFigureOut">
               <a:rPr lang="en-US" smtClean="0"/>
-              <a:t>9/2/2019</a:t>
+              <a:t>9/3/2019</a:t>
             </a:fld>
             <a:endParaRPr lang="en-US" dirty="0"/>
           </a:p>
@@ -2403,7 +2406,7 @@
           <a:p>
             <a:fld id="{27FB74EC-21AC-47F9-A8D7-3B50BF589F52}" type="datetimeFigureOut">
               <a:rPr lang="en-US" smtClean="0"/>
-              <a:t>9/2/2019</a:t>
+              <a:t>9/3/2019</a:t>
             </a:fld>
             <a:endParaRPr lang="en-US" dirty="0"/>
           </a:p>
@@ -2691,7 +2694,7 @@
           <a:p>
             <a:fld id="{27FB74EC-21AC-47F9-A8D7-3B50BF589F52}" type="datetimeFigureOut">
               <a:rPr lang="en-US" smtClean="0"/>
-              <a:t>9/2/2019</a:t>
+              <a:t>9/3/2019</a:t>
             </a:fld>
             <a:endParaRPr lang="en-US" dirty="0"/>
           </a:p>
@@ -2932,7 +2935,7 @@
           <a:p>
             <a:fld id="{27FB74EC-21AC-47F9-A8D7-3B50BF589F52}" type="datetimeFigureOut">
               <a:rPr lang="en-US" smtClean="0"/>
-              <a:t>9/2/2019</a:t>
+              <a:t>9/3/2019</a:t>
             </a:fld>
             <a:endParaRPr lang="en-US" dirty="0"/>
           </a:p>
@@ -4845,7 +4848,7 @@
                   </a:schemeClr>
                 </a:solidFill>
               </a:rPr>
-              <a:t> fees are in declining, consolidation in the industry</a:t>
+              <a:t> fees are declining, consolidation in the industry</a:t>
             </a:r>
           </a:p>
           <a:p>
